--- a/docs/diagrams/TaskUML.pptx
+++ b/docs/diagrams/TaskUML.pptx
@@ -104,6 +104,11 @@
       </a:defRPr>
     </a:lvl9pPr>
   </p:defaultTextStyle>
+  <p:extLst>
+    <p:ext uri="{EFAFB233-063F-42B5-8137-9DF3F51BA10A}">
+      <p15:sldGuideLst xmlns:p15="http://schemas.microsoft.com/office/powerpoint/2012/main"/>
+    </p:ext>
+  </p:extLst>
 </p:presentation>
 </file>
 
@@ -256,7 +261,7 @@
           <a:p>
             <a:fld id="{25345C96-4CC1-4D55-87FC-D1C4199C46F1}" type="datetimeFigureOut">
               <a:rPr lang="en-IN" smtClean="0"/>
-              <a:t>10-04-2018</a:t>
+              <a:t>11-04-2018</a:t>
             </a:fld>
             <a:endParaRPr lang="en-IN"/>
           </a:p>
@@ -456,7 +461,7 @@
           <a:p>
             <a:fld id="{25345C96-4CC1-4D55-87FC-D1C4199C46F1}" type="datetimeFigureOut">
               <a:rPr lang="en-IN" smtClean="0"/>
-              <a:t>10-04-2018</a:t>
+              <a:t>11-04-2018</a:t>
             </a:fld>
             <a:endParaRPr lang="en-IN"/>
           </a:p>
@@ -666,7 +671,7 @@
           <a:p>
             <a:fld id="{25345C96-4CC1-4D55-87FC-D1C4199C46F1}" type="datetimeFigureOut">
               <a:rPr lang="en-IN" smtClean="0"/>
-              <a:t>10-04-2018</a:t>
+              <a:t>11-04-2018</a:t>
             </a:fld>
             <a:endParaRPr lang="en-IN"/>
           </a:p>
@@ -866,7 +871,7 @@
           <a:p>
             <a:fld id="{25345C96-4CC1-4D55-87FC-D1C4199C46F1}" type="datetimeFigureOut">
               <a:rPr lang="en-IN" smtClean="0"/>
-              <a:t>10-04-2018</a:t>
+              <a:t>11-04-2018</a:t>
             </a:fld>
             <a:endParaRPr lang="en-IN"/>
           </a:p>
@@ -1142,7 +1147,7 @@
           <a:p>
             <a:fld id="{25345C96-4CC1-4D55-87FC-D1C4199C46F1}" type="datetimeFigureOut">
               <a:rPr lang="en-IN" smtClean="0"/>
-              <a:t>10-04-2018</a:t>
+              <a:t>11-04-2018</a:t>
             </a:fld>
             <a:endParaRPr lang="en-IN"/>
           </a:p>
@@ -1410,7 +1415,7 @@
           <a:p>
             <a:fld id="{25345C96-4CC1-4D55-87FC-D1C4199C46F1}" type="datetimeFigureOut">
               <a:rPr lang="en-IN" smtClean="0"/>
-              <a:t>10-04-2018</a:t>
+              <a:t>11-04-2018</a:t>
             </a:fld>
             <a:endParaRPr lang="en-IN"/>
           </a:p>
@@ -1825,7 +1830,7 @@
           <a:p>
             <a:fld id="{25345C96-4CC1-4D55-87FC-D1C4199C46F1}" type="datetimeFigureOut">
               <a:rPr lang="en-IN" smtClean="0"/>
-              <a:t>10-04-2018</a:t>
+              <a:t>11-04-2018</a:t>
             </a:fld>
             <a:endParaRPr lang="en-IN"/>
           </a:p>
@@ -1967,7 +1972,7 @@
           <a:p>
             <a:fld id="{25345C96-4CC1-4D55-87FC-D1C4199C46F1}" type="datetimeFigureOut">
               <a:rPr lang="en-IN" smtClean="0"/>
-              <a:t>10-04-2018</a:t>
+              <a:t>11-04-2018</a:t>
             </a:fld>
             <a:endParaRPr lang="en-IN"/>
           </a:p>
@@ -2080,7 +2085,7 @@
           <a:p>
             <a:fld id="{25345C96-4CC1-4D55-87FC-D1C4199C46F1}" type="datetimeFigureOut">
               <a:rPr lang="en-IN" smtClean="0"/>
-              <a:t>10-04-2018</a:t>
+              <a:t>11-04-2018</a:t>
             </a:fld>
             <a:endParaRPr lang="en-IN"/>
           </a:p>
@@ -2393,7 +2398,7 @@
           <a:p>
             <a:fld id="{25345C96-4CC1-4D55-87FC-D1C4199C46F1}" type="datetimeFigureOut">
               <a:rPr lang="en-IN" smtClean="0"/>
-              <a:t>10-04-2018</a:t>
+              <a:t>11-04-2018</a:t>
             </a:fld>
             <a:endParaRPr lang="en-IN"/>
           </a:p>
@@ -2682,7 +2687,7 @@
           <a:p>
             <a:fld id="{25345C96-4CC1-4D55-87FC-D1C4199C46F1}" type="datetimeFigureOut">
               <a:rPr lang="en-IN" smtClean="0"/>
-              <a:t>10-04-2018</a:t>
+              <a:t>11-04-2018</a:t>
             </a:fld>
             <a:endParaRPr lang="en-IN"/>
           </a:p>
@@ -2925,7 +2930,7 @@
           <a:p>
             <a:fld id="{25345C96-4CC1-4D55-87FC-D1C4199C46F1}" type="datetimeFigureOut">
               <a:rPr lang="en-IN" smtClean="0"/>
-              <a:t>10-04-2018</a:t>
+              <a:t>11-04-2018</a:t>
             </a:fld>
             <a:endParaRPr lang="en-IN"/>
           </a:p>
@@ -3685,108 +3690,6 @@
           </a:p>
         </p:txBody>
       </p:sp>
-      <p:cxnSp>
-        <p:nvCxnSpPr>
-          <p:cNvPr id="14" name="Connector: Elbow 13">
-            <a:extLst>
-              <a:ext uri="{FF2B5EF4-FFF2-40B4-BE49-F238E27FC236}">
-                <a16:creationId xmlns:a16="http://schemas.microsoft.com/office/drawing/2014/main" id="{953369B7-B08F-4CFD-BA7A-0B113EADB014}"/>
-              </a:ext>
-            </a:extLst>
-          </p:cNvPr>
-          <p:cNvCxnSpPr>
-            <a:cxnSpLocks/>
-            <a:stCxn id="19" idx="2"/>
-            <a:endCxn id="54" idx="0"/>
-          </p:cNvCxnSpPr>
-          <p:nvPr/>
-        </p:nvCxnSpPr>
-        <p:spPr>
-          <a:xfrm rot="5400000">
-            <a:off x="3404633" y="2699344"/>
-            <a:ext cx="1774519" cy="1372440"/>
-          </a:xfrm>
-          <a:prstGeom prst="bentConnector3">
-            <a:avLst>
-              <a:gd name="adj1" fmla="val 50000"/>
-            </a:avLst>
-          </a:prstGeom>
-          <a:ln w="9525" cap="flat" cmpd="sng" algn="ctr">
-            <a:solidFill>
-              <a:schemeClr val="accent5"/>
-            </a:solidFill>
-            <a:prstDash val="solid"/>
-            <a:round/>
-            <a:headEnd type="none" w="med" len="med"/>
-            <a:tailEnd type="arrow" w="med" len="med"/>
-          </a:ln>
-        </p:spPr>
-        <p:style>
-          <a:lnRef idx="0">
-            <a:scrgbClr r="0" g="0" b="0"/>
-          </a:lnRef>
-          <a:fillRef idx="0">
-            <a:scrgbClr r="0" g="0" b="0"/>
-          </a:fillRef>
-          <a:effectRef idx="0">
-            <a:scrgbClr r="0" g="0" b="0"/>
-          </a:effectRef>
-          <a:fontRef idx="minor">
-            <a:schemeClr val="tx1"/>
-          </a:fontRef>
-        </p:style>
-      </p:cxnSp>
-      <p:cxnSp>
-        <p:nvCxnSpPr>
-          <p:cNvPr id="15" name="Connector: Elbow 14">
-            <a:extLst>
-              <a:ext uri="{FF2B5EF4-FFF2-40B4-BE49-F238E27FC236}">
-                <a16:creationId xmlns:a16="http://schemas.microsoft.com/office/drawing/2014/main" id="{E54AE9B9-4E13-4554-BD97-AC8C82B5E436}"/>
-              </a:ext>
-            </a:extLst>
-          </p:cNvPr>
-          <p:cNvCxnSpPr>
-            <a:cxnSpLocks/>
-            <a:stCxn id="22" idx="2"/>
-            <a:endCxn id="63" idx="0"/>
-          </p:cNvCxnSpPr>
-          <p:nvPr/>
-        </p:nvCxnSpPr>
-        <p:spPr>
-          <a:xfrm rot="16200000" flipH="1">
-            <a:off x="7864341" y="845954"/>
-            <a:ext cx="1764195" cy="5080347"/>
-          </a:xfrm>
-          <a:prstGeom prst="bentConnector3">
-            <a:avLst>
-              <a:gd name="adj1" fmla="val 24085"/>
-            </a:avLst>
-          </a:prstGeom>
-          <a:ln w="9525" cap="flat" cmpd="sng" algn="ctr">
-            <a:solidFill>
-              <a:schemeClr val="accent5"/>
-            </a:solidFill>
-            <a:prstDash val="solid"/>
-            <a:round/>
-            <a:headEnd type="none" w="med" len="med"/>
-            <a:tailEnd type="arrow" w="med" len="med"/>
-          </a:ln>
-        </p:spPr>
-        <p:style>
-          <a:lnRef idx="0">
-            <a:scrgbClr r="0" g="0" b="0"/>
-          </a:lnRef>
-          <a:fillRef idx="0">
-            <a:scrgbClr r="0" g="0" b="0"/>
-          </a:fillRef>
-          <a:effectRef idx="0">
-            <a:scrgbClr r="0" g="0" b="0"/>
-          </a:effectRef>
-          <a:fontRef idx="minor">
-            <a:schemeClr val="tx1"/>
-          </a:fontRef>
-        </p:style>
-      </p:cxnSp>
       <p:sp>
         <p:nvSpPr>
           <p:cNvPr id="16" name="TextBox 41">
@@ -3801,7 +3704,7 @@
         </p:nvSpPr>
         <p:spPr>
           <a:xfrm>
-            <a:off x="11009622" y="3986415"/>
+            <a:off x="11279627" y="4011791"/>
             <a:ext cx="240644" cy="281810"/>
           </a:xfrm>
           <a:prstGeom prst="rect">
@@ -3934,7 +3837,7 @@
         </p:nvSpPr>
         <p:spPr>
           <a:xfrm>
-            <a:off x="1947626" y="4014197"/>
+            <a:off x="1657479" y="4014197"/>
             <a:ext cx="240157" cy="276999"/>
           </a:xfrm>
           <a:prstGeom prst="rect">
@@ -4067,7 +3970,7 @@
         </p:nvSpPr>
         <p:spPr>
           <a:xfrm>
-            <a:off x="3875571" y="4015033"/>
+            <a:off x="3641676" y="4036678"/>
             <a:ext cx="271139" cy="276999"/>
           </a:xfrm>
           <a:prstGeom prst="rect">
@@ -4881,108 +4784,6 @@
           </a:p>
         </p:txBody>
       </p:sp>
-      <p:cxnSp>
-        <p:nvCxnSpPr>
-          <p:cNvPr id="24" name="Connector: Elbow 23">
-            <a:extLst>
-              <a:ext uri="{FF2B5EF4-FFF2-40B4-BE49-F238E27FC236}">
-                <a16:creationId xmlns:a16="http://schemas.microsoft.com/office/drawing/2014/main" id="{A04464EC-7660-476F-9BE2-4662E143824E}"/>
-              </a:ext>
-            </a:extLst>
-          </p:cNvPr>
-          <p:cNvCxnSpPr>
-            <a:cxnSpLocks/>
-            <a:stCxn id="21" idx="2"/>
-            <a:endCxn id="61" idx="0"/>
-          </p:cNvCxnSpPr>
-          <p:nvPr/>
-        </p:nvCxnSpPr>
-        <p:spPr>
-          <a:xfrm rot="16200000" flipH="1">
-            <a:off x="5624106" y="2468729"/>
-            <a:ext cx="1792367" cy="1852565"/>
-          </a:xfrm>
-          <a:prstGeom prst="bentConnector3">
-            <a:avLst>
-              <a:gd name="adj1" fmla="val 41922"/>
-            </a:avLst>
-          </a:prstGeom>
-          <a:ln w="9525" cap="flat" cmpd="sng" algn="ctr">
-            <a:solidFill>
-              <a:schemeClr val="accent5"/>
-            </a:solidFill>
-            <a:prstDash val="solid"/>
-            <a:round/>
-            <a:headEnd type="none" w="med" len="med"/>
-            <a:tailEnd type="arrow" w="med" len="med"/>
-          </a:ln>
-        </p:spPr>
-        <p:style>
-          <a:lnRef idx="0">
-            <a:scrgbClr r="0" g="0" b="0"/>
-          </a:lnRef>
-          <a:fillRef idx="0">
-            <a:scrgbClr r="0" g="0" b="0"/>
-          </a:fillRef>
-          <a:effectRef idx="0">
-            <a:scrgbClr r="0" g="0" b="0"/>
-          </a:effectRef>
-          <a:fontRef idx="minor">
-            <a:schemeClr val="tx1"/>
-          </a:fontRef>
-        </p:style>
-      </p:cxnSp>
-      <p:cxnSp>
-        <p:nvCxnSpPr>
-          <p:cNvPr id="25" name="Connector: Elbow 24">
-            <a:extLst>
-              <a:ext uri="{FF2B5EF4-FFF2-40B4-BE49-F238E27FC236}">
-                <a16:creationId xmlns:a16="http://schemas.microsoft.com/office/drawing/2014/main" id="{0D9EADF2-5C9F-40EA-B206-14AB10DCAA7B}"/>
-              </a:ext>
-            </a:extLst>
-          </p:cNvPr>
-          <p:cNvCxnSpPr>
-            <a:cxnSpLocks/>
-            <a:stCxn id="23" idx="2"/>
-            <a:endCxn id="62" idx="0"/>
-          </p:cNvCxnSpPr>
-          <p:nvPr/>
-        </p:nvCxnSpPr>
-        <p:spPr>
-          <a:xfrm rot="16200000" flipH="1">
-            <a:off x="6732170" y="1657203"/>
-            <a:ext cx="1789737" cy="3478247"/>
-          </a:xfrm>
-          <a:prstGeom prst="bentConnector3">
-            <a:avLst>
-              <a:gd name="adj1" fmla="val 30841"/>
-            </a:avLst>
-          </a:prstGeom>
-          <a:ln w="9525" cap="flat" cmpd="sng" algn="ctr">
-            <a:solidFill>
-              <a:schemeClr val="accent5"/>
-            </a:solidFill>
-            <a:prstDash val="solid"/>
-            <a:round/>
-            <a:headEnd type="none" w="med" len="med"/>
-            <a:tailEnd type="arrow" w="med" len="med"/>
-          </a:ln>
-        </p:spPr>
-        <p:style>
-          <a:lnRef idx="0">
-            <a:scrgbClr r="0" g="0" b="0"/>
-          </a:lnRef>
-          <a:fillRef idx="0">
-            <a:scrgbClr r="0" g="0" b="0"/>
-          </a:fillRef>
-          <a:effectRef idx="0">
-            <a:scrgbClr r="0" g="0" b="0"/>
-          </a:effectRef>
-          <a:fontRef idx="minor">
-            <a:schemeClr val="tx1"/>
-          </a:fontRef>
-        </p:style>
-      </p:cxnSp>
       <p:sp>
         <p:nvSpPr>
           <p:cNvPr id="26" name="TextBox 152">
@@ -4997,7 +4798,7 @@
         </p:nvSpPr>
         <p:spPr>
           <a:xfrm>
-            <a:off x="5707923" y="4014197"/>
+            <a:off x="5532078" y="4049365"/>
             <a:ext cx="271139" cy="276999"/>
           </a:xfrm>
           <a:prstGeom prst="rect">
@@ -5130,7 +4931,7 @@
         </p:nvSpPr>
         <p:spPr>
           <a:xfrm>
-            <a:off x="7175002" y="4001418"/>
+            <a:off x="7442103" y="4049364"/>
             <a:ext cx="271139" cy="276999"/>
           </a:xfrm>
           <a:prstGeom prst="rect">
@@ -5396,7 +5197,7 @@
         </p:nvSpPr>
         <p:spPr>
           <a:xfrm>
-            <a:off x="4749189" y="2420705"/>
+            <a:off x="4709757" y="2421236"/>
             <a:ext cx="271139" cy="276999"/>
           </a:xfrm>
           <a:prstGeom prst="rect">
@@ -5529,7 +5330,7 @@
         </p:nvSpPr>
         <p:spPr>
           <a:xfrm>
-            <a:off x="5369868" y="2420247"/>
+            <a:off x="5036734" y="2416913"/>
             <a:ext cx="271139" cy="276999"/>
           </a:xfrm>
           <a:prstGeom prst="rect">
@@ -5662,7 +5463,7 @@
         </p:nvSpPr>
         <p:spPr>
           <a:xfrm>
-            <a:off x="5675097" y="2420704"/>
+            <a:off x="5689705" y="2421236"/>
             <a:ext cx="271139" cy="276999"/>
           </a:xfrm>
           <a:prstGeom prst="rect">
@@ -5795,7 +5596,7 @@
         </p:nvSpPr>
         <p:spPr>
           <a:xfrm>
-            <a:off x="5970245" y="2420704"/>
+            <a:off x="5366681" y="2416912"/>
             <a:ext cx="271139" cy="276999"/>
           </a:xfrm>
           <a:prstGeom prst="rect">
@@ -6959,7 +6760,9 @@
             <a:ext cx="1764616" cy="251394"/>
           </a:xfrm>
           <a:prstGeom prst="bentConnector3">
-            <a:avLst/>
+            <a:avLst>
+              <a:gd name="adj1" fmla="val 66442"/>
+            </a:avLst>
           </a:prstGeom>
           <a:ln>
             <a:tailEnd type="triangle"/>
@@ -6994,7 +6797,7 @@
         </p:nvSpPr>
         <p:spPr>
           <a:xfrm>
-            <a:off x="5022611" y="2424762"/>
+            <a:off x="6019333" y="2421236"/>
             <a:ext cx="271139" cy="276999"/>
           </a:xfrm>
           <a:prstGeom prst="rect">
@@ -7127,7 +6930,7 @@
         </p:nvSpPr>
         <p:spPr>
           <a:xfrm>
-            <a:off x="9053447" y="4017328"/>
+            <a:off x="9366161" y="4025681"/>
             <a:ext cx="271139" cy="276999"/>
           </a:xfrm>
           <a:prstGeom prst="rect">
@@ -7269,6 +7072,186 @@
           <a:prstGeom prst="bentConnector3">
             <a:avLst>
               <a:gd name="adj1" fmla="val 27053"/>
+            </a:avLst>
+          </a:prstGeom>
+          <a:ln>
+            <a:tailEnd type="triangle"/>
+          </a:ln>
+        </p:spPr>
+        <p:style>
+          <a:lnRef idx="1">
+            <a:schemeClr val="accent1"/>
+          </a:lnRef>
+          <a:fillRef idx="0">
+            <a:schemeClr val="accent1"/>
+          </a:fillRef>
+          <a:effectRef idx="0">
+            <a:schemeClr val="accent1"/>
+          </a:effectRef>
+          <a:fontRef idx="minor">
+            <a:schemeClr val="tx1"/>
+          </a:fontRef>
+        </p:style>
+      </p:cxnSp>
+      <p:cxnSp>
+        <p:nvCxnSpPr>
+          <p:cNvPr id="33" name="Connector: Elbow 32">
+            <a:extLst>
+              <a:ext uri="{FF2B5EF4-FFF2-40B4-BE49-F238E27FC236}">
+                <a16:creationId xmlns:a16="http://schemas.microsoft.com/office/drawing/2014/main" id="{9A23B2BF-E76A-400E-83DB-7E9CE6F6FEBA}"/>
+              </a:ext>
+            </a:extLst>
+          </p:cNvPr>
+          <p:cNvCxnSpPr>
+            <a:cxnSpLocks/>
+            <a:stCxn id="19" idx="2"/>
+            <a:endCxn id="54" idx="0"/>
+          </p:cNvCxnSpPr>
+          <p:nvPr/>
+        </p:nvCxnSpPr>
+        <p:spPr>
+          <a:xfrm rot="5400000">
+            <a:off x="3404633" y="2699344"/>
+            <a:ext cx="1774519" cy="1372440"/>
+          </a:xfrm>
+          <a:prstGeom prst="bentConnector3">
+            <a:avLst>
+              <a:gd name="adj1" fmla="val 50000"/>
+            </a:avLst>
+          </a:prstGeom>
+          <a:ln>
+            <a:tailEnd type="triangle"/>
+          </a:ln>
+        </p:spPr>
+        <p:style>
+          <a:lnRef idx="1">
+            <a:schemeClr val="accent1"/>
+          </a:lnRef>
+          <a:fillRef idx="0">
+            <a:schemeClr val="accent1"/>
+          </a:fillRef>
+          <a:effectRef idx="0">
+            <a:schemeClr val="accent1"/>
+          </a:effectRef>
+          <a:fontRef idx="minor">
+            <a:schemeClr val="tx1"/>
+          </a:fontRef>
+        </p:style>
+      </p:cxnSp>
+      <p:cxnSp>
+        <p:nvCxnSpPr>
+          <p:cNvPr id="38" name="Connector: Elbow 37">
+            <a:extLst>
+              <a:ext uri="{FF2B5EF4-FFF2-40B4-BE49-F238E27FC236}">
+                <a16:creationId xmlns:a16="http://schemas.microsoft.com/office/drawing/2014/main" id="{86080F01-464E-4078-8D49-0F074645046E}"/>
+              </a:ext>
+            </a:extLst>
+          </p:cNvPr>
+          <p:cNvCxnSpPr>
+            <a:cxnSpLocks/>
+            <a:stCxn id="21" idx="2"/>
+            <a:endCxn id="61" idx="0"/>
+          </p:cNvCxnSpPr>
+          <p:nvPr/>
+        </p:nvCxnSpPr>
+        <p:spPr>
+          <a:xfrm rot="16200000" flipH="1">
+            <a:off x="5624106" y="2468729"/>
+            <a:ext cx="1792367" cy="1852565"/>
+          </a:xfrm>
+          <a:prstGeom prst="bentConnector3">
+            <a:avLst>
+              <a:gd name="adj1" fmla="val 61773"/>
+            </a:avLst>
+          </a:prstGeom>
+          <a:ln>
+            <a:tailEnd type="triangle"/>
+          </a:ln>
+        </p:spPr>
+        <p:style>
+          <a:lnRef idx="1">
+            <a:schemeClr val="accent1"/>
+          </a:lnRef>
+          <a:fillRef idx="0">
+            <a:schemeClr val="accent1"/>
+          </a:fillRef>
+          <a:effectRef idx="0">
+            <a:schemeClr val="accent1"/>
+          </a:effectRef>
+          <a:fontRef idx="minor">
+            <a:schemeClr val="tx1"/>
+          </a:fontRef>
+        </p:style>
+      </p:cxnSp>
+      <p:cxnSp>
+        <p:nvCxnSpPr>
+          <p:cNvPr id="43" name="Connector: Elbow 42">
+            <a:extLst>
+              <a:ext uri="{FF2B5EF4-FFF2-40B4-BE49-F238E27FC236}">
+                <a16:creationId xmlns:a16="http://schemas.microsoft.com/office/drawing/2014/main" id="{6056C168-1920-477A-A440-FB1878560513}"/>
+              </a:ext>
+            </a:extLst>
+          </p:cNvPr>
+          <p:cNvCxnSpPr>
+            <a:cxnSpLocks/>
+            <a:stCxn id="23" idx="2"/>
+            <a:endCxn id="62" idx="0"/>
+          </p:cNvCxnSpPr>
+          <p:nvPr/>
+        </p:nvCxnSpPr>
+        <p:spPr>
+          <a:xfrm rot="16200000" flipH="1">
+            <a:off x="6732170" y="1657203"/>
+            <a:ext cx="1789737" cy="3478247"/>
+          </a:xfrm>
+          <a:prstGeom prst="bentConnector3">
+            <a:avLst>
+              <a:gd name="adj1" fmla="val 50000"/>
+            </a:avLst>
+          </a:prstGeom>
+          <a:ln>
+            <a:tailEnd type="triangle"/>
+          </a:ln>
+        </p:spPr>
+        <p:style>
+          <a:lnRef idx="1">
+            <a:schemeClr val="accent1"/>
+          </a:lnRef>
+          <a:fillRef idx="0">
+            <a:schemeClr val="accent1"/>
+          </a:fillRef>
+          <a:effectRef idx="0">
+            <a:schemeClr val="accent1"/>
+          </a:effectRef>
+          <a:fontRef idx="minor">
+            <a:schemeClr val="tx1"/>
+          </a:fontRef>
+        </p:style>
+      </p:cxnSp>
+      <p:cxnSp>
+        <p:nvCxnSpPr>
+          <p:cNvPr id="46" name="Connector: Elbow 45">
+            <a:extLst>
+              <a:ext uri="{FF2B5EF4-FFF2-40B4-BE49-F238E27FC236}">
+                <a16:creationId xmlns:a16="http://schemas.microsoft.com/office/drawing/2014/main" id="{3DE74726-CA11-476A-8543-351770B63D12}"/>
+              </a:ext>
+            </a:extLst>
+          </p:cNvPr>
+          <p:cNvCxnSpPr>
+            <a:cxnSpLocks/>
+            <a:stCxn id="22" idx="2"/>
+            <a:endCxn id="63" idx="0"/>
+          </p:cNvCxnSpPr>
+          <p:nvPr/>
+        </p:nvCxnSpPr>
+        <p:spPr>
+          <a:xfrm rot="16200000" flipH="1">
+            <a:off x="7864341" y="845954"/>
+            <a:ext cx="1764195" cy="5080347"/>
+          </a:xfrm>
+          <a:prstGeom prst="bentConnector3">
+            <a:avLst>
+              <a:gd name="adj1" fmla="val 29068"/>
             </a:avLst>
           </a:prstGeom>
           <a:ln>
